--- a/csc402-ln011.pptx
+++ b/csc402-ln011.pptx
@@ -251,7 +251,7 @@
           <a:p>
             <a:fld id="{5C4B8448-6450-4447-A858-494F5BEEEB27}" type="datetimeFigureOut">
               <a:rPr lang="en-US" smtClean="0"/>
-              <a:t>10/13/17</a:t>
+              <a:t>11/5/19</a:t>
             </a:fld>
             <a:endParaRPr lang="en-US"/>
           </a:p>
@@ -12187,7 +12187,15 @@
           <a:p>
             <a:r>
               <a:rPr lang="en-US" dirty="0" smtClean="0"/>
-              <a:t>Compilers generate code for the target machine that then executes the intended behavior</a:t>
+              <a:t>Compilers generate code for the target machine that then </a:t>
+            </a:r>
+            <a:r>
+              <a:rPr lang="en-US" dirty="0" smtClean="0"/>
+              <a:t>executes </a:t>
+            </a:r>
+            <a:r>
+              <a:rPr lang="en-US" dirty="0" smtClean="0"/>
+              <a:t>the intended behavior</a:t>
             </a:r>
             <a:endParaRPr lang="en-US" dirty="0"/>
           </a:p>
@@ -12270,38 +12278,14 @@
             <a:pPr lvl="1"/>
             <a:r>
               <a:rPr lang="en-US" dirty="0" smtClean="0"/>
-              <a:t>rather than storing variable-value pairs the </a:t>
-            </a:r>
+              <a:t>rather than storing variable-value pairs the symbol table act merely as a record holder for variables seen/declared</a:t>
+            </a:r>
+          </a:p>
+          <a:p>
+            <a:pPr lvl="1"/>
             <a:r>
               <a:rPr lang="en-US" dirty="0" smtClean="0"/>
-              <a:t>symbol </a:t>
-            </a:r>
-            <a:r>
-              <a:rPr lang="en-US" dirty="0" smtClean="0"/>
-              <a:t>table </a:t>
-            </a:r>
-            <a:r>
-              <a:rPr lang="en-US" dirty="0" smtClean="0"/>
-              <a:t>act </a:t>
-            </a:r>
-            <a:r>
-              <a:rPr lang="en-US" dirty="0" smtClean="0"/>
-              <a:t>merely as a record holder for variables seen/declared</a:t>
-            </a:r>
-          </a:p>
-          <a:p>
-            <a:pPr lvl="1"/>
-            <a:r>
-              <a:rPr lang="en-US" dirty="0" smtClean="0"/>
-              <a:t>in our case, the symbol table stores the </a:t>
-            </a:r>
-            <a:r>
-              <a:rPr lang="en-US" dirty="0" smtClean="0"/>
-              <a:t>variable-’target name’ (scoped name) </a:t>
-            </a:r>
-            <a:r>
-              <a:rPr lang="en-US" dirty="0" smtClean="0"/>
-              <a:t>pairs</a:t>
+              <a:t>in our case, the symbol table stores the variable-’target name’ (scoped name) pairs</a:t>
             </a:r>
             <a:endParaRPr lang="en-US" dirty="0"/>
           </a:p>
@@ -12376,7 +12360,7 @@
         <p:spPr>
           <a:xfrm>
             <a:off x="2438400" y="767480"/>
-            <a:ext cx="5147563" cy="5909310"/>
+            <a:ext cx="5147563" cy="5078313"/>
           </a:xfrm>
           <a:prstGeom prst="rect">
             <a:avLst/>
@@ -13622,215 +13606,8 @@
                 </a:solidFill>
                 <a:latin typeface="Menlo" charset="0"/>
               </a:rPr>
-              <a:t>    </a:t>
-            </a:r>
-            <a:r>
-              <a:rPr lang="en-US" sz="900" dirty="0">
-                <a:solidFill>
-                  <a:srgbClr val="008400"/>
-                </a:solidFill>
-                <a:latin typeface="Menlo" charset="0"/>
-              </a:rPr>
-              <a:t>#-------</a:t>
-            </a:r>
-          </a:p>
-          <a:p>
-            <a:r>
-              <a:rPr lang="en-US" sz="900" dirty="0">
-                <a:solidFill>
-                  <a:srgbClr val="000000"/>
-                </a:solidFill>
-                <a:latin typeface="Menlo" charset="0"/>
-              </a:rPr>
-              <a:t>    </a:t>
-            </a:r>
-            <a:r>
-              <a:rPr lang="en-US" sz="900" dirty="0" err="1">
-                <a:solidFill>
-                  <a:srgbClr val="BA2DA2"/>
-                </a:solidFill>
-                <a:latin typeface="Menlo" charset="0"/>
-              </a:rPr>
-              <a:t>def</a:t>
-            </a:r>
-            <a:r>
-              <a:rPr lang="en-US" sz="900" dirty="0">
-                <a:solidFill>
-                  <a:srgbClr val="000000"/>
-                </a:solidFill>
-                <a:latin typeface="Menlo" charset="0"/>
-              </a:rPr>
-              <a:t> </a:t>
-            </a:r>
-            <a:r>
-              <a:rPr lang="en-US" sz="900" dirty="0" err="1">
-                <a:solidFill>
-                  <a:srgbClr val="000000"/>
-                </a:solidFill>
-                <a:latin typeface="Menlo" charset="0"/>
-              </a:rPr>
-              <a:t>update_sym</a:t>
-            </a:r>
-            <a:r>
-              <a:rPr lang="en-US" sz="900" dirty="0">
-                <a:solidFill>
-                  <a:srgbClr val="000000"/>
-                </a:solidFill>
-                <a:latin typeface="Menlo" charset="0"/>
-              </a:rPr>
-              <a:t>(self, </a:t>
-            </a:r>
-            <a:r>
-              <a:rPr lang="en-US" sz="900" dirty="0" err="1">
-                <a:solidFill>
-                  <a:srgbClr val="000000"/>
-                </a:solidFill>
-                <a:latin typeface="Menlo" charset="0"/>
-              </a:rPr>
-              <a:t>sym</a:t>
-            </a:r>
-            <a:r>
-              <a:rPr lang="en-US" sz="900" dirty="0">
-                <a:solidFill>
-                  <a:srgbClr val="000000"/>
-                </a:solidFill>
-                <a:latin typeface="Menlo" charset="0"/>
-              </a:rPr>
-              <a:t>):</a:t>
-            </a:r>
-          </a:p>
-          <a:p>
-            <a:r>
-              <a:rPr lang="en-US" sz="900" dirty="0">
-                <a:solidFill>
-                  <a:srgbClr val="000000"/>
-                </a:solidFill>
-                <a:latin typeface="Menlo" charset="0"/>
-              </a:rPr>
-              <a:t>        </a:t>
-            </a:r>
-            <a:r>
-              <a:rPr lang="en-US" sz="900" dirty="0">
-                <a:solidFill>
-                  <a:srgbClr val="008400"/>
-                </a:solidFill>
-                <a:latin typeface="Menlo" charset="0"/>
-              </a:rPr>
-              <a:t># for the compiler version updating is the same as looking up</a:t>
-            </a:r>
-          </a:p>
-          <a:p>
-            <a:r>
-              <a:rPr lang="en-US" sz="900" dirty="0">
-                <a:solidFill>
-                  <a:srgbClr val="000000"/>
-                </a:solidFill>
-                <a:latin typeface="Menlo" charset="0"/>
-              </a:rPr>
-              <a:t>        </a:t>
-            </a:r>
-            <a:r>
-              <a:rPr lang="en-US" sz="900" dirty="0">
-                <a:solidFill>
-                  <a:srgbClr val="008400"/>
-                </a:solidFill>
-                <a:latin typeface="Menlo" charset="0"/>
-              </a:rPr>
-              <a:t># in order to check if </a:t>
-            </a:r>
-            <a:r>
-              <a:rPr lang="en-US" sz="900" dirty="0" err="1">
-                <a:solidFill>
-                  <a:srgbClr val="008400"/>
-                </a:solidFill>
-                <a:latin typeface="Menlo" charset="0"/>
-              </a:rPr>
-              <a:t>sym</a:t>
-            </a:r>
-            <a:r>
-              <a:rPr lang="en-US" sz="900" dirty="0">
-                <a:solidFill>
-                  <a:srgbClr val="008400"/>
-                </a:solidFill>
-                <a:latin typeface="Menlo" charset="0"/>
-              </a:rPr>
-              <a:t> is updateable.</a:t>
-            </a:r>
-          </a:p>
-          <a:p>
-            <a:r>
-              <a:rPr lang="en-US" sz="900" dirty="0">
-                <a:solidFill>
-                  <a:srgbClr val="000000"/>
-                </a:solidFill>
-                <a:latin typeface="Menlo" charset="0"/>
-              </a:rPr>
-              <a:t>        </a:t>
-            </a:r>
-            <a:r>
-              <a:rPr lang="en-US" sz="900" dirty="0" err="1">
-                <a:solidFill>
-                  <a:srgbClr val="000000"/>
-                </a:solidFill>
-                <a:latin typeface="Menlo" charset="0"/>
-              </a:rPr>
-              <a:t>self.lookup_sym</a:t>
-            </a:r>
-            <a:r>
-              <a:rPr lang="en-US" sz="900" dirty="0">
-                <a:solidFill>
-                  <a:srgbClr val="000000"/>
-                </a:solidFill>
-                <a:latin typeface="Menlo" charset="0"/>
-              </a:rPr>
-              <a:t>(</a:t>
-            </a:r>
-            <a:r>
-              <a:rPr lang="en-US" sz="900" dirty="0" err="1">
-                <a:solidFill>
-                  <a:srgbClr val="000000"/>
-                </a:solidFill>
-                <a:latin typeface="Menlo" charset="0"/>
-              </a:rPr>
-              <a:t>sym</a:t>
-            </a:r>
-            <a:r>
-              <a:rPr lang="en-US" sz="900" dirty="0">
-                <a:solidFill>
-                  <a:srgbClr val="000000"/>
-                </a:solidFill>
-                <a:latin typeface="Menlo" charset="0"/>
-              </a:rPr>
-              <a:t>)</a:t>
-            </a:r>
-          </a:p>
-          <a:p>
-            <a:r>
-              <a:rPr lang="en-US" sz="900" dirty="0">
-                <a:solidFill>
-                  <a:srgbClr val="000000"/>
-                </a:solidFill>
-                <a:latin typeface="Menlo" charset="0"/>
-              </a:rPr>
-              <a:t>        </a:t>
-            </a:r>
-            <a:r>
-              <a:rPr lang="en-US" sz="900" dirty="0">
-                <a:solidFill>
-                  <a:srgbClr val="BA2DA2"/>
-                </a:solidFill>
-                <a:latin typeface="Menlo" charset="0"/>
-              </a:rPr>
-              <a:t>return</a:t>
-            </a:r>
-            <a:endParaRPr lang="en-US" sz="900" dirty="0">
-              <a:solidFill>
-                <a:srgbClr val="000000"/>
-              </a:solidFill>
-              <a:latin typeface="Menlo" charset="0"/>
-            </a:endParaRPr>
-          </a:p>
-          <a:p>
+              <a:t>   </a:t>
+            </a:r>
             <a:endParaRPr lang="en-US" sz="900" dirty="0" smtClean="0">
               <a:solidFill>
                 <a:srgbClr val="008400"/>
@@ -13849,86 +13626,6 @@
         <p:spPr bwMode="auto">
           <a:xfrm>
             <a:off x="1905000" y="3276600"/>
-            <a:ext cx="685800" cy="445535"/>
-          </a:xfrm>
-          <a:prstGeom prst="rightArrow">
-            <a:avLst/>
-          </a:prstGeom>
-          <a:solidFill>
-            <a:srgbClr val="FF0000"/>
-          </a:solidFill>
-          <a:ln w="9525" cap="flat" cmpd="sng" algn="ctr">
-            <a:solidFill>
-              <a:schemeClr val="tx1"/>
-            </a:solidFill>
-            <a:prstDash val="solid"/>
-            <a:round/>
-            <a:headEnd type="none" w="med" len="med"/>
-            <a:tailEnd type="none" w="med" len="med"/>
-          </a:ln>
-          <a:effectLst/>
-          <a:extLst>
-            <a:ext uri="{AF507438-7753-43e0-B8FC-AC1667EBCBE1}">
-              <a14:hiddenEffects xmlns:a14="http://schemas.microsoft.com/office/drawing/2010/main" xmlns="">
-                <a:effectLst>
-                  <a:outerShdw blurRad="63500" dist="38099" dir="2700000" algn="ctr" rotWithShape="0">
-                    <a:schemeClr val="bg2">
-                      <a:alpha val="74998"/>
-                    </a:schemeClr>
-                  </a:outerShdw>
-                </a:effectLst>
-              </a14:hiddenEffects>
-            </a:ext>
-          </a:extLst>
-        </p:spPr>
-        <p:txBody>
-          <a:bodyPr vert="horz" wrap="square" lIns="91440" tIns="45720" rIns="91440" bIns="45720" numCol="1" rtlCol="0" anchor="t" anchorCtr="0" compatLnSpc="1">
-            <a:prstTxWarp prst="textNoShape">
-              <a:avLst/>
-            </a:prstTxWarp>
-          </a:bodyPr>
-          <a:lstStyle/>
-          <a:p>
-            <a:pPr marL="0" marR="0" indent="0" algn="l" defTabSz="914400" rtl="0" eaLnBrk="0" fontAlgn="base" latinLnBrk="0" hangingPunct="0">
-              <a:lnSpc>
-                <a:spcPct val="100000"/>
-              </a:lnSpc>
-              <a:spcBef>
-                <a:spcPct val="0"/>
-              </a:spcBef>
-              <a:spcAft>
-                <a:spcPct val="0"/>
-              </a:spcAft>
-              <a:buClrTx/>
-              <a:buSzTx/>
-              <a:buFontTx/>
-              <a:buNone/>
-              <a:tabLst/>
-            </a:pPr>
-            <a:endParaRPr kumimoji="0" lang="en-US" sz="2400" b="0" i="0" u="none" strike="noStrike" cap="none" normalizeH="0" baseline="0">
-              <a:ln>
-                <a:noFill/>
-              </a:ln>
-              <a:solidFill>
-                <a:srgbClr val="000000"/>
-              </a:solidFill>
-              <a:effectLst/>
-              <a:latin typeface="Arial" charset="0"/>
-              <a:ea typeface="ＭＳ Ｐゴシック" charset="0"/>
-              <a:cs typeface="ＭＳ Ｐゴシック" charset="0"/>
-            </a:endParaRPr>
-          </a:p>
-        </p:txBody>
-      </p:sp>
-      <p:sp>
-        <p:nvSpPr>
-          <p:cNvPr id="6" name="Right Arrow 5"/>
-          <p:cNvSpPr/>
-          <p:nvPr/>
-        </p:nvSpPr>
-        <p:spPr bwMode="auto">
-          <a:xfrm>
-            <a:off x="1866900" y="5867400"/>
             <a:ext cx="685800" cy="445535"/>
           </a:xfrm>
           <a:prstGeom prst="rightArrow">
